--- a/Mess ManagementSystem.pptx
+++ b/Mess ManagementSystem.pptx
@@ -7089,12 +7089,40 @@
           <a:chExt cx="0" cy="0"/>
         </a:xfrm>
       </p:grpSpPr>
+      <p:sp>
+        <p:nvSpPr>
+          <p:cNvPr id="5" name="Title 4">
+            <a:extLst>
+              <a:ext uri="{FF2B5EF4-FFF2-40B4-BE49-F238E27FC236}">
+                <a16:creationId xmlns:a16="http://schemas.microsoft.com/office/drawing/2014/main" id="{6DF22792-C5F8-65E0-CA8B-497539E62084}"/>
+              </a:ext>
+            </a:extLst>
+          </p:cNvPr>
+          <p:cNvSpPr>
+            <a:spLocks noGrp="1"/>
+          </p:cNvSpPr>
+          <p:nvPr>
+            <p:ph type="title"/>
+          </p:nvPr>
+        </p:nvSpPr>
+        <p:spPr/>
+        <p:txBody>
+          <a:bodyPr/>
+          <a:lstStyle/>
+          <a:p>
+            <a:r>
+              <a:rPr lang="en-IN" dirty="0"/>
+              <a:t>ER-Diagram</a:t>
+            </a:r>
+          </a:p>
+        </p:txBody>
+      </p:sp>
       <p:pic>
         <p:nvPicPr>
-          <p:cNvPr id="7" name="Content Placeholder 6">
+          <p:cNvPr id="6" name="Content Placeholder 5">
             <a:extLst>
               <a:ext uri="{FF2B5EF4-FFF2-40B4-BE49-F238E27FC236}">
-                <a16:creationId xmlns:a16="http://schemas.microsoft.com/office/drawing/2014/main" id="{2BB34E4E-3B12-905A-8E81-3D7B6080E8AD}"/>
+                <a16:creationId xmlns:a16="http://schemas.microsoft.com/office/drawing/2014/main" id="{1C325FDE-C4BA-8219-795B-2AE02CA9112B}"/>
               </a:ext>
             </a:extLst>
           </p:cNvPr>
@@ -7119,39 +7147,11 @@
         </p:blipFill>
         <p:spPr>
           <a:xfrm>
-            <a:off x="228600" y="1853247"/>
-            <a:ext cx="8763000" cy="4806775"/>
+            <a:off x="228600" y="1371600"/>
+            <a:ext cx="8610600" cy="4876800"/>
           </a:xfrm>
         </p:spPr>
       </p:pic>
-      <p:sp>
-        <p:nvSpPr>
-          <p:cNvPr id="5" name="Title 4">
-            <a:extLst>
-              <a:ext uri="{FF2B5EF4-FFF2-40B4-BE49-F238E27FC236}">
-                <a16:creationId xmlns:a16="http://schemas.microsoft.com/office/drawing/2014/main" id="{6DF22792-C5F8-65E0-CA8B-497539E62084}"/>
-              </a:ext>
-            </a:extLst>
-          </p:cNvPr>
-          <p:cNvSpPr>
-            <a:spLocks noGrp="1"/>
-          </p:cNvSpPr>
-          <p:nvPr>
-            <p:ph type="title"/>
-          </p:nvPr>
-        </p:nvSpPr>
-        <p:spPr/>
-        <p:txBody>
-          <a:bodyPr/>
-          <a:lstStyle/>
-          <a:p>
-            <a:r>
-              <a:rPr lang="en-IN" dirty="0"/>
-              <a:t>ER-Diagram</a:t>
-            </a:r>
-          </a:p>
-        </p:txBody>
-      </p:sp>
     </p:spTree>
   </p:cSld>
   <p:clrMapOvr>
